--- a/documents/중간보고서_박문수.pptx
+++ b/documents/중간보고서_박문수.pptx
@@ -5,7 +5,7 @@
     <p:sldMasterId id="2147483648" r:id="rId1"/>
   </p:sldMasterIdLst>
   <p:notesMasterIdLst>
-    <p:notesMasterId r:id="rId9"/>
+    <p:notesMasterId r:id="rId10"/>
   </p:notesMasterIdLst>
   <p:sldIdLst>
     <p:sldId id="325" r:id="rId2"/>
@@ -15,6 +15,7 @@
     <p:sldId id="373" r:id="rId6"/>
     <p:sldId id="369" r:id="rId7"/>
     <p:sldId id="353" r:id="rId8"/>
+    <p:sldId id="358" r:id="rId9"/>
   </p:sldIdLst>
   <p:sldSz cx="9144000" cy="6858000" type="screen4x3"/>
   <p:notesSz cx="6858000" cy="9144000"/>
@@ -129,6 +130,7 @@
         <p14:section name="설계단계" id="{079FB007-4044-4E60-AD09-4E9512A5438F}">
           <p14:sldIdLst>
             <p14:sldId id="353"/>
+            <p14:sldId id="358"/>
           </p14:sldIdLst>
         </p14:section>
       </p14:sectionLst>
@@ -234,7 +236,7 @@
             <a:fld id="{46AA5D5A-343A-4C1A-BC9D-610EC8B80F49}" type="datetimeFigureOut">
               <a:rPr lang="ko-KR" altLang="en-US" smtClean="0"/>
               <a:pPr/>
-              <a:t>2020-08-06</a:t>
+              <a:t>2020-08-09</a:t>
             </a:fld>
             <a:endParaRPr lang="ko-KR" altLang="en-US"/>
           </a:p>
@@ -684,7 +686,7 @@
             <a:fld id="{94F08C18-F846-4F83-9E4A-EF96E909B73F}" type="datetime1">
               <a:rPr lang="ko-KR" altLang="en-US" smtClean="0"/>
               <a:pPr/>
-              <a:t>2020-08-06</a:t>
+              <a:t>2020-08-09</a:t>
             </a:fld>
             <a:endParaRPr lang="ko-KR" altLang="en-US"/>
           </a:p>
@@ -857,7 +859,7 @@
             <a:fld id="{B022DE9A-8BD0-4588-90EC-B8326F0668FE}" type="datetime1">
               <a:rPr lang="ko-KR" altLang="en-US" smtClean="0"/>
               <a:pPr/>
-              <a:t>2020-08-06</a:t>
+              <a:t>2020-08-09</a:t>
             </a:fld>
             <a:endParaRPr lang="ko-KR" altLang="en-US"/>
           </a:p>
@@ -1040,7 +1042,7 @@
             <a:fld id="{77F8B5EE-9957-45ED-8881-249F27AAE9BD}" type="datetime1">
               <a:rPr lang="ko-KR" altLang="en-US" smtClean="0"/>
               <a:pPr/>
-              <a:t>2020-08-06</a:t>
+              <a:t>2020-08-09</a:t>
             </a:fld>
             <a:endParaRPr lang="ko-KR" altLang="en-US"/>
           </a:p>
@@ -1213,7 +1215,7 @@
             <a:fld id="{8A3DBE8A-08A0-4AE2-B806-C9B9A473B0ED}" type="datetime1">
               <a:rPr lang="ko-KR" altLang="en-US" smtClean="0"/>
               <a:pPr/>
-              <a:t>2020-08-06</a:t>
+              <a:t>2020-08-09</a:t>
             </a:fld>
             <a:endParaRPr lang="ko-KR" altLang="en-US"/>
           </a:p>
@@ -1468,7 +1470,7 @@
             <a:fld id="{7FE13E15-7006-4370-B5F6-60D7104AE3B4}" type="datetime1">
               <a:rPr lang="ko-KR" altLang="en-US" smtClean="0"/>
               <a:pPr/>
-              <a:t>2020-08-06</a:t>
+              <a:t>2020-08-09</a:t>
             </a:fld>
             <a:endParaRPr lang="ko-KR" altLang="en-US"/>
           </a:p>
@@ -1758,7 +1760,7 @@
             <a:fld id="{F7D10D11-2C95-44F2-9DFC-D0C737CB5390}" type="datetime1">
               <a:rPr lang="ko-KR" altLang="en-US" smtClean="0"/>
               <a:pPr/>
-              <a:t>2020-08-06</a:t>
+              <a:t>2020-08-09</a:t>
             </a:fld>
             <a:endParaRPr lang="ko-KR" altLang="en-US"/>
           </a:p>
@@ -2182,7 +2184,7 @@
             <a:fld id="{A5135845-0C4F-469E-8726-3EBFD71077A7}" type="datetime1">
               <a:rPr lang="ko-KR" altLang="en-US" smtClean="0"/>
               <a:pPr/>
-              <a:t>2020-08-06</a:t>
+              <a:t>2020-08-09</a:t>
             </a:fld>
             <a:endParaRPr lang="ko-KR" altLang="en-US"/>
           </a:p>
@@ -2304,7 +2306,7 @@
             <a:fld id="{C80FC019-3CDA-4483-987D-B12D1EB4D233}" type="datetime1">
               <a:rPr lang="ko-KR" altLang="en-US" smtClean="0"/>
               <a:pPr/>
-              <a:t>2020-08-06</a:t>
+              <a:t>2020-08-09</a:t>
             </a:fld>
             <a:endParaRPr lang="ko-KR" altLang="en-US"/>
           </a:p>
@@ -2404,7 +2406,7 @@
             <a:fld id="{45936E48-2907-481B-8F8C-35E94B4338B9}" type="datetime1">
               <a:rPr lang="ko-KR" altLang="en-US" smtClean="0"/>
               <a:pPr/>
-              <a:t>2020-08-06</a:t>
+              <a:t>2020-08-09</a:t>
             </a:fld>
             <a:endParaRPr lang="ko-KR" altLang="en-US"/>
           </a:p>
@@ -2684,7 +2686,7 @@
             <a:fld id="{76D1E666-04C9-40C3-88DF-F7C22C7A6172}" type="datetime1">
               <a:rPr lang="ko-KR" altLang="en-US" smtClean="0"/>
               <a:pPr/>
-              <a:t>2020-08-06</a:t>
+              <a:t>2020-08-09</a:t>
             </a:fld>
             <a:endParaRPr lang="ko-KR" altLang="en-US"/>
           </a:p>
@@ -2941,7 +2943,7 @@
             <a:fld id="{21D27B48-006F-4BC1-BDC8-3C8CA726AC13}" type="datetime1">
               <a:rPr lang="ko-KR" altLang="en-US" smtClean="0"/>
               <a:pPr/>
-              <a:t>2020-08-06</a:t>
+              <a:t>2020-08-09</a:t>
             </a:fld>
             <a:endParaRPr lang="ko-KR" altLang="en-US"/>
           </a:p>
@@ -3157,7 +3159,7 @@
             <a:fld id="{4926EC2E-D34C-4476-B4C7-64731BF56572}" type="datetime1">
               <a:rPr lang="ko-KR" altLang="en-US" smtClean="0"/>
               <a:pPr/>
-              <a:t>2020-08-06</a:t>
+              <a:t>2020-08-09</a:t>
             </a:fld>
             <a:endParaRPr lang="ko-KR" altLang="en-US" dirty="0"/>
           </a:p>
@@ -12642,6 +12644,557 @@
     <p:extLst>
       <p:ext uri="{BB962C8B-B14F-4D97-AF65-F5344CB8AC3E}">
         <p14:creationId xmlns:p14="http://schemas.microsoft.com/office/powerpoint/2010/main" val="1961503956"/>
+      </p:ext>
+    </p:extLst>
+  </p:cSld>
+  <p:clrMapOvr>
+    <a:masterClrMapping/>
+  </p:clrMapOvr>
+</p:sld>
+</file>
+
+<file path=ppt/slides/slide8.xml><?xml version="1.0" encoding="utf-8"?>
+<p:sld xmlns:a="http://schemas.openxmlformats.org/drawingml/2006/main" xmlns:r="http://schemas.openxmlformats.org/officeDocument/2006/relationships" xmlns:p="http://schemas.openxmlformats.org/presentationml/2006/main">
+  <p:cSld>
+    <p:spTree>
+      <p:nvGrpSpPr>
+        <p:cNvPr id="1" name=""/>
+        <p:cNvGrpSpPr/>
+        <p:nvPr/>
+      </p:nvGrpSpPr>
+      <p:grpSpPr>
+        <a:xfrm>
+          <a:off x="0" y="0"/>
+          <a:ext cx="0" cy="0"/>
+          <a:chOff x="0" y="0"/>
+          <a:chExt cx="0" cy="0"/>
+        </a:xfrm>
+      </p:grpSpPr>
+      <p:sp>
+        <p:nvSpPr>
+          <p:cNvPr id="21" name="직사각형 20"/>
+          <p:cNvSpPr/>
+          <p:nvPr/>
+        </p:nvSpPr>
+        <p:spPr>
+          <a:xfrm>
+            <a:off x="107504" y="0"/>
+            <a:ext cx="3096344" cy="1124744"/>
+          </a:xfrm>
+          <a:prstGeom prst="rect">
+            <a:avLst/>
+          </a:prstGeom>
+          <a:solidFill>
+            <a:srgbClr val="3B5AA8"/>
+          </a:solidFill>
+          <a:ln>
+            <a:noFill/>
+          </a:ln>
+        </p:spPr>
+        <p:style>
+          <a:lnRef idx="2">
+            <a:schemeClr val="accent1">
+              <a:shade val="50000"/>
+            </a:schemeClr>
+          </a:lnRef>
+          <a:fillRef idx="1">
+            <a:schemeClr val="accent1"/>
+          </a:fillRef>
+          <a:effectRef idx="0">
+            <a:schemeClr val="accent1"/>
+          </a:effectRef>
+          <a:fontRef idx="minor">
+            <a:schemeClr val="lt1"/>
+          </a:fontRef>
+        </p:style>
+        <p:txBody>
+          <a:bodyPr rtlCol="0" anchor="ctr"/>
+          <a:lstStyle/>
+          <a:p>
+            <a:pPr algn="ctr"/>
+            <a:endParaRPr lang="ko-KR" altLang="en-US"/>
+          </a:p>
+        </p:txBody>
+      </p:sp>
+      <p:cxnSp>
+        <p:nvCxnSpPr>
+          <p:cNvPr id="22" name="직선 연결선 21"/>
+          <p:cNvCxnSpPr/>
+          <p:nvPr/>
+        </p:nvCxnSpPr>
+        <p:spPr>
+          <a:xfrm>
+            <a:off x="424356" y="541195"/>
+            <a:ext cx="2591728" cy="0"/>
+          </a:xfrm>
+          <a:prstGeom prst="line">
+            <a:avLst/>
+          </a:prstGeom>
+          <a:ln w="28575">
+            <a:solidFill>
+              <a:schemeClr val="bg1">
+                <a:lumMod val="95000"/>
+              </a:schemeClr>
+            </a:solidFill>
+          </a:ln>
+        </p:spPr>
+        <p:style>
+          <a:lnRef idx="1">
+            <a:schemeClr val="accent1"/>
+          </a:lnRef>
+          <a:fillRef idx="0">
+            <a:schemeClr val="accent1"/>
+          </a:fillRef>
+          <a:effectRef idx="0">
+            <a:schemeClr val="accent1"/>
+          </a:effectRef>
+          <a:fontRef idx="minor">
+            <a:schemeClr val="tx1"/>
+          </a:fontRef>
+        </p:style>
+      </p:cxnSp>
+      <p:cxnSp>
+        <p:nvCxnSpPr>
+          <p:cNvPr id="25" name="직선 연결선 24"/>
+          <p:cNvCxnSpPr/>
+          <p:nvPr/>
+        </p:nvCxnSpPr>
+        <p:spPr>
+          <a:xfrm>
+            <a:off x="3275856" y="548680"/>
+            <a:ext cx="5328592" cy="0"/>
+          </a:xfrm>
+          <a:prstGeom prst="line">
+            <a:avLst/>
+          </a:prstGeom>
+          <a:ln w="28575">
+            <a:solidFill>
+              <a:srgbClr val="3B5AA8"/>
+            </a:solidFill>
+          </a:ln>
+        </p:spPr>
+        <p:style>
+          <a:lnRef idx="1">
+            <a:schemeClr val="accent4"/>
+          </a:lnRef>
+          <a:fillRef idx="0">
+            <a:schemeClr val="accent4"/>
+          </a:fillRef>
+          <a:effectRef idx="0">
+            <a:schemeClr val="accent4"/>
+          </a:effectRef>
+          <a:fontRef idx="minor">
+            <a:schemeClr val="tx1"/>
+          </a:fontRef>
+        </p:style>
+      </p:cxnSp>
+      <p:sp>
+        <p:nvSpPr>
+          <p:cNvPr id="28" name="제목 12"/>
+          <p:cNvSpPr txBox="1">
+            <a:spLocks/>
+          </p:cNvSpPr>
+          <p:nvPr/>
+        </p:nvSpPr>
+        <p:spPr>
+          <a:xfrm>
+            <a:off x="323528" y="692697"/>
+            <a:ext cx="2952328" cy="272474"/>
+          </a:xfrm>
+          <a:prstGeom prst="rect">
+            <a:avLst/>
+          </a:prstGeom>
+        </p:spPr>
+        <p:txBody>
+          <a:bodyPr vert="horz" lIns="91440" tIns="45720" rIns="91440" bIns="45720" rtlCol="0" anchor="t">
+            <a:noAutofit/>
+          </a:bodyPr>
+          <a:lstStyle/>
+          <a:p>
+            <a:pPr marL="0" marR="0" lvl="0" indent="0" algn="l" defTabSz="914400" rtl="0" eaLnBrk="1" fontAlgn="auto" latinLnBrk="1" hangingPunct="1">
+              <a:lnSpc>
+                <a:spcPct val="100000"/>
+              </a:lnSpc>
+              <a:spcBef>
+                <a:spcPct val="0"/>
+              </a:spcBef>
+              <a:spcAft>
+                <a:spcPts val="0"/>
+              </a:spcAft>
+              <a:buClrTx/>
+              <a:buSzTx/>
+              <a:buFontTx/>
+              <a:buNone/>
+              <a:tabLst/>
+              <a:defRPr/>
+            </a:pPr>
+            <a:r>
+              <a:rPr kumimoji="0" lang="en-US" altLang="ko-KR" sz="1700" b="1" i="0" u="none" strike="noStrike" kern="1200" cap="none" spc="0" normalizeH="0" baseline="0" noProof="0" dirty="0">
+                <a:ln>
+                  <a:noFill/>
+                </a:ln>
+                <a:solidFill>
+                  <a:schemeClr val="bg1"/>
+                </a:solidFill>
+                <a:effectLst/>
+                <a:uLnTx/>
+                <a:uFillTx/>
+                <a:latin typeface="+mn-ea"/>
+                <a:cs typeface="+mj-cs"/>
+              </a:rPr>
+              <a:t>| </a:t>
+            </a:r>
+            <a:r>
+              <a:rPr kumimoji="0" lang="ko-KR" altLang="en-US" sz="1700" b="1" i="0" u="none" strike="noStrike" kern="1200" cap="none" spc="0" normalizeH="0" baseline="0" noProof="0" dirty="0" err="1">
+                <a:ln>
+                  <a:noFill/>
+                </a:ln>
+                <a:solidFill>
+                  <a:schemeClr val="bg1"/>
+                </a:solidFill>
+                <a:effectLst/>
+                <a:uLnTx/>
+                <a:uFillTx/>
+                <a:latin typeface="+mn-ea"/>
+                <a:cs typeface="+mj-cs"/>
+              </a:rPr>
+              <a:t>핵심소스코드</a:t>
+            </a:r>
+            <a:endParaRPr kumimoji="0" lang="ko-KR" altLang="en-US" sz="1700" b="0" i="0" u="none" strike="noStrike" kern="1200" cap="none" spc="-50" normalizeH="0" baseline="0" noProof="0" dirty="0">
+              <a:ln>
+                <a:noFill/>
+              </a:ln>
+              <a:solidFill>
+                <a:schemeClr val="bg1"/>
+              </a:solidFill>
+              <a:effectLst/>
+              <a:uLnTx/>
+              <a:uFillTx/>
+              <a:latin typeface="+mn-ea"/>
+              <a:cs typeface="+mj-cs"/>
+            </a:endParaRPr>
+          </a:p>
+        </p:txBody>
+      </p:sp>
+      <p:pic>
+        <p:nvPicPr>
+          <p:cNvPr id="29" name="Picture 6"/>
+          <p:cNvPicPr>
+            <a:picLocks noChangeAspect="1" noChangeArrowheads="1"/>
+          </p:cNvPicPr>
+          <p:nvPr/>
+        </p:nvPicPr>
+        <p:blipFill>
+          <a:blip r:embed="rId2" cstate="print">
+            <a:extLst>
+              <a:ext uri="{28A0092B-C50C-407E-A947-70E740481C1C}">
+                <a14:useLocalDpi xmlns:a14="http://schemas.microsoft.com/office/drawing/2010/main" val="0"/>
+              </a:ext>
+            </a:extLst>
+          </a:blip>
+          <a:srcRect/>
+          <a:stretch>
+            <a:fillRect/>
+          </a:stretch>
+        </p:blipFill>
+        <p:spPr bwMode="auto">
+          <a:xfrm>
+            <a:off x="8388424" y="78041"/>
+            <a:ext cx="677336" cy="398631"/>
+          </a:xfrm>
+          <a:prstGeom prst="rect">
+            <a:avLst/>
+          </a:prstGeom>
+          <a:noFill/>
+          <a:ln>
+            <a:noFill/>
+          </a:ln>
+          <a:extLst>
+            <a:ext uri="{909E8E84-426E-40DD-AFC4-6F175D3DCCD1}">
+              <a14:hiddenFill xmlns:a14="http://schemas.microsoft.com/office/drawing/2010/main">
+                <a:solidFill>
+                  <a:schemeClr val="accent1"/>
+                </a:solidFill>
+              </a14:hiddenFill>
+            </a:ext>
+            <a:ext uri="{91240B29-F687-4F45-9708-019B960494DF}">
+              <a14:hiddenLine xmlns:a14="http://schemas.microsoft.com/office/drawing/2010/main" w="9525">
+                <a:solidFill>
+                  <a:schemeClr val="tx1"/>
+                </a:solidFill>
+                <a:miter lim="800000"/>
+                <a:headEnd/>
+                <a:tailEnd/>
+              </a14:hiddenLine>
+            </a:ext>
+          </a:extLst>
+        </p:spPr>
+      </p:pic>
+      <p:pic>
+        <p:nvPicPr>
+          <p:cNvPr id="30" name="Picture 2"/>
+          <p:cNvPicPr>
+            <a:picLocks noChangeAspect="1" noChangeArrowheads="1"/>
+          </p:cNvPicPr>
+          <p:nvPr/>
+        </p:nvPicPr>
+        <p:blipFill>
+          <a:blip r:embed="rId3" cstate="print"/>
+          <a:srcRect/>
+          <a:stretch>
+            <a:fillRect/>
+          </a:stretch>
+        </p:blipFill>
+        <p:spPr bwMode="auto">
+          <a:xfrm>
+            <a:off x="8676456" y="476671"/>
+            <a:ext cx="454960" cy="158965"/>
+          </a:xfrm>
+          <a:prstGeom prst="rect">
+            <a:avLst/>
+          </a:prstGeom>
+          <a:noFill/>
+          <a:ln w="9525">
+            <a:noFill/>
+            <a:miter lim="800000"/>
+            <a:headEnd/>
+            <a:tailEnd/>
+          </a:ln>
+        </p:spPr>
+      </p:pic>
+      <p:sp>
+        <p:nvSpPr>
+          <p:cNvPr id="32" name="막힌 원호 31"/>
+          <p:cNvSpPr/>
+          <p:nvPr/>
+        </p:nvSpPr>
+        <p:spPr>
+          <a:xfrm flipV="1">
+            <a:off x="-577697" y="-576001"/>
+            <a:ext cx="1181047" cy="1167213"/>
+          </a:xfrm>
+          <a:prstGeom prst="blockArc">
+            <a:avLst>
+              <a:gd name="adj1" fmla="val 16158679"/>
+              <a:gd name="adj2" fmla="val 0"/>
+              <a:gd name="adj3" fmla="val 25000"/>
+            </a:avLst>
+          </a:prstGeom>
+          <a:solidFill>
+            <a:schemeClr val="bg1"/>
+          </a:solidFill>
+          <a:ln>
+            <a:solidFill>
+              <a:schemeClr val="bg1"/>
+            </a:solidFill>
+          </a:ln>
+        </p:spPr>
+        <p:style>
+          <a:lnRef idx="2">
+            <a:schemeClr val="accent1">
+              <a:shade val="50000"/>
+            </a:schemeClr>
+          </a:lnRef>
+          <a:fillRef idx="1">
+            <a:schemeClr val="accent1"/>
+          </a:fillRef>
+          <a:effectRef idx="0">
+            <a:schemeClr val="accent1"/>
+          </a:effectRef>
+          <a:fontRef idx="minor">
+            <a:schemeClr val="lt1"/>
+          </a:fontRef>
+        </p:style>
+        <p:txBody>
+          <a:bodyPr rtlCol="0" anchor="ctr"/>
+          <a:lstStyle/>
+          <a:p>
+            <a:pPr algn="ctr"/>
+            <a:endParaRPr lang="ko-KR" altLang="en-US">
+              <a:solidFill>
+                <a:schemeClr val="tx1"/>
+              </a:solidFill>
+            </a:endParaRPr>
+          </a:p>
+        </p:txBody>
+      </p:sp>
+      <p:sp>
+        <p:nvSpPr>
+          <p:cNvPr id="12" name="바닥글 개체 틀 11"/>
+          <p:cNvSpPr>
+            <a:spLocks noGrp="1"/>
+          </p:cNvSpPr>
+          <p:nvPr>
+            <p:ph type="ftr" sz="quarter" idx="11"/>
+          </p:nvPr>
+        </p:nvSpPr>
+        <p:spPr/>
+        <p:txBody>
+          <a:bodyPr/>
+          <a:lstStyle/>
+          <a:p>
+            <a:r>
+              <a:rPr lang="ko-KR" altLang="en-US"/>
+              <a:t>한이음 ▶ 프로그램 설계서</a:t>
+            </a:r>
+          </a:p>
+        </p:txBody>
+      </p:sp>
+      <p:sp>
+        <p:nvSpPr>
+          <p:cNvPr id="17" name="직사각형 16">
+            <a:extLst>
+              <a:ext uri="{FF2B5EF4-FFF2-40B4-BE49-F238E27FC236}">
+                <a16:creationId xmlns:a16="http://schemas.microsoft.com/office/drawing/2014/main" id="{E9BCB1CE-2DD6-40DC-A0F7-0303DCBC1F92}"/>
+              </a:ext>
+            </a:extLst>
+          </p:cNvPr>
+          <p:cNvSpPr/>
+          <p:nvPr/>
+        </p:nvSpPr>
+        <p:spPr>
+          <a:xfrm>
+            <a:off x="222255" y="1473901"/>
+            <a:ext cx="8740117" cy="4763411"/>
+          </a:xfrm>
+          <a:prstGeom prst="rect">
+            <a:avLst/>
+          </a:prstGeom>
+          <a:noFill/>
+          <a:ln>
+            <a:solidFill>
+              <a:schemeClr val="accent1"/>
+            </a:solidFill>
+          </a:ln>
+        </p:spPr>
+        <p:style>
+          <a:lnRef idx="0">
+            <a:scrgbClr r="0" g="0" b="0"/>
+          </a:lnRef>
+          <a:fillRef idx="0">
+            <a:scrgbClr r="0" g="0" b="0"/>
+          </a:fillRef>
+          <a:effectRef idx="0">
+            <a:scrgbClr r="0" g="0" b="0"/>
+          </a:effectRef>
+          <a:fontRef idx="minor">
+            <a:schemeClr val="lt1"/>
+          </a:fontRef>
+        </p:style>
+        <p:txBody>
+          <a:bodyPr rot="0" spcFirstLastPara="0" vertOverflow="overflow" horzOverflow="overflow" vert="horz" wrap="square" lIns="91440" tIns="45720" rIns="91440" bIns="45720" numCol="1" spcCol="0" rtlCol="0" fromWordArt="0" anchor="ctr" anchorCtr="0" forceAA="0" compatLnSpc="1">
+            <a:prstTxWarp prst="textNoShape">
+              <a:avLst/>
+            </a:prstTxWarp>
+            <a:noAutofit/>
+          </a:bodyPr>
+          <a:lstStyle/>
+          <a:p>
+            <a:pPr algn="ctr"/>
+            <a:endParaRPr lang="ko-KR" altLang="en-US" b="1" dirty="0">
+              <a:solidFill>
+                <a:schemeClr val="tx1"/>
+              </a:solidFill>
+            </a:endParaRPr>
+          </a:p>
+        </p:txBody>
+      </p:sp>
+      <p:pic>
+        <p:nvPicPr>
+          <p:cNvPr id="3" name="그림 2">
+            <a:extLst>
+              <a:ext uri="{FF2B5EF4-FFF2-40B4-BE49-F238E27FC236}">
+                <a16:creationId xmlns:a16="http://schemas.microsoft.com/office/drawing/2014/main" id="{E7A65B33-6583-4E15-9B16-0C265EE2A316}"/>
+              </a:ext>
+            </a:extLst>
+          </p:cNvPr>
+          <p:cNvPicPr>
+            <a:picLocks noChangeAspect="1"/>
+          </p:cNvPicPr>
+          <p:nvPr/>
+        </p:nvPicPr>
+        <p:blipFill>
+          <a:blip r:embed="rId4"/>
+          <a:stretch>
+            <a:fillRect/>
+          </a:stretch>
+        </p:blipFill>
+        <p:spPr>
+          <a:xfrm>
+            <a:off x="1381003" y="1579931"/>
+            <a:ext cx="6381994" cy="4546313"/>
+          </a:xfrm>
+          <a:prstGeom prst="rect">
+            <a:avLst/>
+          </a:prstGeom>
+        </p:spPr>
+      </p:pic>
+      <p:sp>
+        <p:nvSpPr>
+          <p:cNvPr id="2" name="TextBox 1">
+            <a:extLst>
+              <a:ext uri="{FF2B5EF4-FFF2-40B4-BE49-F238E27FC236}">
+                <a16:creationId xmlns:a16="http://schemas.microsoft.com/office/drawing/2014/main" id="{0E7C768C-5DFD-455F-80C0-558E8DEF697C}"/>
+              </a:ext>
+            </a:extLst>
+          </p:cNvPr>
+          <p:cNvSpPr txBox="1"/>
+          <p:nvPr/>
+        </p:nvSpPr>
+        <p:spPr>
+          <a:xfrm>
+            <a:off x="5508104" y="5014767"/>
+            <a:ext cx="2097725" cy="369332"/>
+          </a:xfrm>
+          <a:prstGeom prst="rect">
+            <a:avLst/>
+          </a:prstGeom>
+          <a:noFill/>
+        </p:spPr>
+        <p:txBody>
+          <a:bodyPr wrap="square" rtlCol="0">
+            <a:spAutoFit/>
+          </a:bodyPr>
+          <a:lstStyle/>
+          <a:p>
+            <a:pPr algn="ctr"/>
+            <a:r>
+              <a:rPr lang="ko-KR" altLang="en-US">
+                <a:solidFill>
+                  <a:schemeClr val="bg1"/>
+                </a:solidFill>
+                <a:latin typeface="배달의민족 도현" panose="020B0600000101010101" pitchFamily="50" charset="-127"/>
+                <a:ea typeface="배달의민족 도현" panose="020B0600000101010101" pitchFamily="50" charset="-127"/>
+              </a:rPr>
+              <a:t>계좌 </a:t>
+            </a:r>
+            <a:r>
+              <a:rPr lang="en-US" altLang="ko-KR" dirty="0">
+                <a:solidFill>
+                  <a:schemeClr val="bg1"/>
+                </a:solidFill>
+                <a:latin typeface="배달의민족 도현" panose="020B0600000101010101" pitchFamily="50" charset="-127"/>
+                <a:ea typeface="배달의민족 도현" panose="020B0600000101010101" pitchFamily="50" charset="-127"/>
+              </a:rPr>
+              <a:t>QR</a:t>
+            </a:r>
+            <a:r>
+              <a:rPr lang="ko-KR" altLang="en-US" dirty="0">
+                <a:solidFill>
+                  <a:schemeClr val="bg1"/>
+                </a:solidFill>
+                <a:latin typeface="배달의민족 도현" panose="020B0600000101010101" pitchFamily="50" charset="-127"/>
+                <a:ea typeface="배달의민족 도현" panose="020B0600000101010101" pitchFamily="50" charset="-127"/>
+              </a:rPr>
+              <a:t>코드 생성</a:t>
+            </a:r>
+          </a:p>
+        </p:txBody>
+      </p:sp>
+    </p:spTree>
+    <p:extLst>
+      <p:ext uri="{BB962C8B-B14F-4D97-AF65-F5344CB8AC3E}">
+        <p14:creationId xmlns:p14="http://schemas.microsoft.com/office/powerpoint/2010/main" val="642459016"/>
       </p:ext>
     </p:extLst>
   </p:cSld>
